--- a/PowerPoint/FLUTTER_EP57.pptx
+++ b/PowerPoint/FLUTTER_EP57.pptx
@@ -5,7 +5,7 @@
     <p:sldMasterId id="2147483929" r:id="rId1"/>
   </p:sldMasterIdLst>
   <p:notesMasterIdLst>
-    <p:notesMasterId r:id="rId10"/>
+    <p:notesMasterId r:id="rId8"/>
   </p:notesMasterIdLst>
   <p:sldIdLst>
     <p:sldId id="256" r:id="rId2"/>
@@ -13,9 +13,7 @@
     <p:sldId id="288" r:id="rId4"/>
     <p:sldId id="267" r:id="rId5"/>
     <p:sldId id="289" r:id="rId6"/>
-    <p:sldId id="283" r:id="rId7"/>
-    <p:sldId id="285" r:id="rId8"/>
-    <p:sldId id="286" r:id="rId9"/>
+    <p:sldId id="290" r:id="rId7"/>
   </p:sldIdLst>
   <p:sldSz cx="12192000" cy="6858000"/>
   <p:notesSz cx="6858000" cy="9144000"/>
@@ -4203,7 +4201,7 @@
           <a:p>
             <a:r>
               <a:rPr lang="en-US" smtClean="0"/>
-              <a:t>EP56</a:t>
+              <a:t>EP57</a:t>
             </a:r>
             <a:r>
               <a:rPr lang="en-US" smtClean="0"/>
@@ -4214,15 +4212,7 @@
             </a:br>
             <a:r>
               <a:rPr lang="en-US" sz="3200" smtClean="0"/>
-              <a:t>Coding</a:t>
-            </a:r>
-            <a:r>
-              <a:rPr lang="en-US" sz="3200" smtClean="0"/>
-              <a:t>: </a:t>
-            </a:r>
-            <a:r>
-              <a:rPr lang="en-US" sz="3200" smtClean="0"/>
-              <a:t>Count Order Item using SteamBuilder</a:t>
+              <a:t>Coding UI: Order Item</a:t>
             </a:r>
             <a:r>
               <a:rPr lang="en-US" sz="3600" smtClean="0"/>
@@ -4285,7 +4275,7 @@
           <a:p>
             <a:r>
               <a:rPr lang="en-US"/>
-              <a:t>4</a:t>
+              <a:t>5</a:t>
             </a:r>
             <a:r>
               <a:rPr lang="en-US" smtClean="0"/>
@@ -4299,7 +4289,7 @@
           <a:p>
             <a:r>
               <a:rPr lang="en-US" smtClean="0"/>
-              <a:t>Day#45</a:t>
+              <a:t>Day#46</a:t>
             </a:r>
             <a:endParaRPr lang="en-US"/>
           </a:p>
@@ -4435,7 +4425,7 @@
             </a:pPr>
             <a:r>
               <a:rPr lang="en-US" sz="2400" smtClean="0"/>
-              <a:t>Coding Concept &amp; UI Design</a:t>
+              <a:t>UI Design</a:t>
             </a:r>
           </a:p>
           <a:p>
@@ -4447,6 +4437,7 @@
               <a:rPr lang="en-US" sz="2400" smtClean="0"/>
               <a:t>Coding</a:t>
             </a:r>
+            <a:endParaRPr lang="en-US" sz="2400" smtClean="0"/>
           </a:p>
         </p:txBody>
       </p:sp>
@@ -4607,7 +4598,7 @@
             </a:pPr>
             <a:r>
               <a:rPr lang="en-US" sz="2400" smtClean="0"/>
-              <a:t>Save data to DB (Review)</a:t>
+              <a:t>ListView Widget</a:t>
             </a:r>
           </a:p>
           <a:p>
@@ -4617,7 +4608,7 @@
             </a:pPr>
             <a:r>
               <a:rPr lang="en-US" sz="2400" smtClean="0"/>
-              <a:t>TimeStamp for create document key</a:t>
+              <a:t>Row &amp; Column Widget</a:t>
             </a:r>
           </a:p>
           <a:p>
@@ -4627,9 +4618,8 @@
             </a:pPr>
             <a:r>
               <a:rPr lang="en-US" sz="2400" smtClean="0"/>
-              <a:t>Get Data from Database (FireStore) with where condition</a:t>
-            </a:r>
-            <a:endParaRPr lang="en-US" sz="2400" smtClean="0"/>
+              <a:t>Image Widget</a:t>
+            </a:r>
           </a:p>
           <a:p>
             <a:pPr>
@@ -4638,7 +4628,17 @@
             </a:pPr>
             <a:r>
               <a:rPr lang="en-US" sz="2400" smtClean="0"/>
-              <a:t>StreamBuilder to Get Real-time data </a:t>
+              <a:t>Generate Widget Class</a:t>
+            </a:r>
+          </a:p>
+          <a:p>
+            <a:pPr>
+              <a:buFont typeface="Wingdings" panose="05000000000000000000" pitchFamily="2" charset="2"/>
+              <a:buChar char="Ø"/>
+            </a:pPr>
+            <a:r>
+              <a:rPr lang="en-US" sz="2400" smtClean="0"/>
+              <a:t>Pass Parameter to Widget Class</a:t>
             </a:r>
           </a:p>
           <a:p>
@@ -4647,9 +4647,20 @@
               <a:buChar char="Ø"/>
             </a:pPr>
             <a:r>
-              <a:rPr lang="en-US" sz="2200" smtClean="0"/>
-              <a:t>count order items</a:t>
-            </a:r>
+              <a:rPr lang="en-US" sz="2000" smtClean="0"/>
+              <a:t>Final Property</a:t>
+            </a:r>
+          </a:p>
+          <a:p>
+            <a:pPr lvl="1">
+              <a:buFont typeface="Wingdings" panose="05000000000000000000" pitchFamily="2" charset="2"/>
+              <a:buChar char="Ø"/>
+            </a:pPr>
+            <a:r>
+              <a:rPr lang="en-US" sz="2000" smtClean="0"/>
+              <a:t>Constucture</a:t>
+            </a:r>
+            <a:endParaRPr lang="en-US" sz="2000" smtClean="0"/>
           </a:p>
           <a:p>
             <a:pPr>
@@ -4945,8 +4956,8 @@
         </p:nvSpPr>
         <p:spPr>
           <a:xfrm>
-            <a:off x="6944752" y="3846459"/>
-            <a:ext cx="1368760" cy="465719"/>
+            <a:off x="8839200" y="4151573"/>
+            <a:ext cx="1633085" cy="562667"/>
           </a:xfrm>
           <a:prstGeom prst="rect">
             <a:avLst/>
@@ -5039,6 +5050,85 @@
           <a:xfrm flipV="1">
             <a:off x="8090452" y="3846459"/>
             <a:ext cx="825793" cy="206236"/>
+          </a:xfrm>
+          <a:prstGeom prst="line">
+            <a:avLst/>
+          </a:prstGeom>
+          <a:ln>
+            <a:headEnd type="triangle"/>
+          </a:ln>
+        </p:spPr>
+        <p:style>
+          <a:lnRef idx="1">
+            <a:schemeClr val="accent1"/>
+          </a:lnRef>
+          <a:fillRef idx="0">
+            <a:schemeClr val="accent1"/>
+          </a:fillRef>
+          <a:effectRef idx="0">
+            <a:schemeClr val="accent1"/>
+          </a:effectRef>
+          <a:fontRef idx="minor">
+            <a:schemeClr val="tx1"/>
+          </a:fontRef>
+        </p:style>
+      </p:cxnSp>
+      <p:sp>
+        <p:nvSpPr>
+          <p:cNvPr id="19" name="Oval 18"/>
+          <p:cNvSpPr/>
+          <p:nvPr/>
+        </p:nvSpPr>
+        <p:spPr>
+          <a:xfrm>
+            <a:off x="8914809" y="4224555"/>
+            <a:ext cx="1435359" cy="412473"/>
+          </a:xfrm>
+          <a:prstGeom prst="ellipse">
+            <a:avLst/>
+          </a:prstGeom>
+        </p:spPr>
+        <p:style>
+          <a:lnRef idx="2">
+            <a:schemeClr val="accent1">
+              <a:shade val="50000"/>
+            </a:schemeClr>
+          </a:lnRef>
+          <a:fillRef idx="1">
+            <a:schemeClr val="accent1"/>
+          </a:fillRef>
+          <a:effectRef idx="0">
+            <a:schemeClr val="accent1"/>
+          </a:effectRef>
+          <a:fontRef idx="minor">
+            <a:schemeClr val="lt1"/>
+          </a:fontRef>
+        </p:style>
+        <p:txBody>
+          <a:bodyPr lIns="0" tIns="0" rIns="0" bIns="0" rtlCol="0" anchor="ctr"/>
+          <a:lstStyle/>
+          <a:p>
+            <a:pPr algn="ctr"/>
+            <a:r>
+              <a:rPr lang="en-US" sz="1200" smtClean="0"/>
+              <a:t>Order Item</a:t>
+            </a:r>
+            <a:endParaRPr lang="en-US" sz="1200"/>
+          </a:p>
+        </p:txBody>
+      </p:sp>
+      <p:cxnSp>
+        <p:nvCxnSpPr>
+          <p:cNvPr id="20" name="Straight Connector 19"/>
+          <p:cNvCxnSpPr>
+            <a:endCxn id="19" idx="2"/>
+          </p:cNvCxnSpPr>
+          <p:nvPr/>
+        </p:nvCxnSpPr>
+        <p:spPr>
+          <a:xfrm>
+            <a:off x="8090452" y="4052695"/>
+            <a:ext cx="824357" cy="378097"/>
           </a:xfrm>
           <a:prstGeom prst="line">
             <a:avLst/>
@@ -5124,94 +5214,18 @@
       </p:sp>
       <p:sp>
         <p:nvSpPr>
-          <p:cNvPr id="15" name="TextBox 14"/>
-          <p:cNvSpPr txBox="1"/>
-          <p:nvPr/>
-        </p:nvSpPr>
-        <p:spPr>
-          <a:xfrm>
-            <a:off x="4714791" y="1535002"/>
-            <a:ext cx="5204462" cy="769441"/>
-          </a:xfrm>
-          <a:prstGeom prst="rect">
-            <a:avLst/>
-          </a:prstGeom>
-          <a:noFill/>
-        </p:spPr>
-        <p:txBody>
-          <a:bodyPr wrap="square" rtlCol="0">
-            <a:spAutoFit/>
-          </a:bodyPr>
-          <a:lstStyle/>
-          <a:p>
-            <a:r>
-              <a:rPr lang="en-US" sz="4400" smtClean="0"/>
-              <a:t>Order 3 items</a:t>
-            </a:r>
-            <a:endParaRPr lang="en-US" sz="4400"/>
-          </a:p>
-        </p:txBody>
-      </p:sp>
-      <p:pic>
-        <p:nvPicPr>
-          <p:cNvPr id="17" name="Picture 16"/>
-          <p:cNvPicPr>
-            <a:picLocks noChangeAspect="1"/>
-          </p:cNvPicPr>
-          <p:nvPr/>
-        </p:nvPicPr>
-        <p:blipFill>
-          <a:blip r:embed="rId2"/>
-          <a:stretch>
-            <a:fillRect/>
-          </a:stretch>
-        </p:blipFill>
-        <p:spPr>
-          <a:xfrm>
-            <a:off x="1066024" y="1040121"/>
-            <a:ext cx="2575113" cy="5498410"/>
-          </a:xfrm>
-          <a:prstGeom prst="roundRect">
-            <a:avLst>
-              <a:gd name="adj" fmla="val 8594"/>
-            </a:avLst>
-          </a:prstGeom>
-          <a:solidFill>
-            <a:srgbClr val="FFFFFF">
-              <a:shade val="85000"/>
-            </a:srgbClr>
-          </a:solidFill>
-          <a:ln>
-            <a:noFill/>
-          </a:ln>
-          <a:effectLst>
-            <a:reflection blurRad="12700" stA="38000" endPos="28000" dist="5000" dir="5400000" sy="-100000" algn="bl" rotWithShape="0"/>
-          </a:effectLst>
-        </p:spPr>
-      </p:pic>
-      <p:sp>
-        <p:nvSpPr>
-          <p:cNvPr id="12" name="Rounded Rectangle 11"/>
+          <p:cNvPr id="18" name="Rectangle 17"/>
           <p:cNvSpPr/>
           <p:nvPr/>
         </p:nvSpPr>
         <p:spPr>
           <a:xfrm>
-            <a:off x="2755760" y="1770580"/>
-            <a:ext cx="407505" cy="262709"/>
+            <a:off x="1377950" y="1136650"/>
+            <a:ext cx="2362200" cy="4845050"/>
           </a:xfrm>
-          <a:prstGeom prst="roundRect">
+          <a:prstGeom prst="rect">
             <a:avLst/>
           </a:prstGeom>
-          <a:solidFill>
-            <a:srgbClr val="FF5722"/>
-          </a:solidFill>
-          <a:ln w="12700">
-            <a:solidFill>
-              <a:schemeClr val="bg1"/>
-            </a:solidFill>
-            <a:prstDash val="sysDash"/>
-          </a:ln>
         </p:spPr>
         <p:style>
           <a:lnRef idx="2">
@@ -5230,44 +5244,40 @@
           </a:fontRef>
         </p:style>
         <p:txBody>
-          <a:bodyPr lIns="0" tIns="0" rIns="0" bIns="18288" rtlCol="0" anchor="ctr"/>
+          <a:bodyPr rtlCol="0" anchor="ctr"/>
           <a:lstStyle/>
           <a:p>
             <a:pPr algn="ctr"/>
-            <a:r>
-              <a:rPr lang="en-US" sz="1400" smtClean="0"/>
-              <a:t>(3)</a:t>
-            </a:r>
-            <a:endParaRPr lang="en-US" sz="1400"/>
+            <a:endParaRPr lang="en-US"/>
           </a:p>
         </p:txBody>
       </p:sp>
       <p:sp>
         <p:nvSpPr>
-          <p:cNvPr id="14" name="Right Arrow 13"/>
+          <p:cNvPr id="19" name="Rectangle 18"/>
           <p:cNvSpPr/>
           <p:nvPr/>
         </p:nvSpPr>
         <p:spPr>
-          <a:xfrm flipH="1">
-            <a:off x="3634088" y="1743582"/>
-            <a:ext cx="961433" cy="432352"/>
+          <a:xfrm>
+            <a:off x="1377950" y="1797050"/>
+            <a:ext cx="2362200" cy="495300"/>
           </a:xfrm>
-          <a:prstGeom prst="rightArrow">
+          <a:prstGeom prst="rect">
             <a:avLst/>
           </a:prstGeom>
         </p:spPr>
         <p:style>
           <a:lnRef idx="2">
-            <a:schemeClr val="accent2">
+            <a:schemeClr val="accent1">
               <a:shade val="50000"/>
             </a:schemeClr>
           </a:lnRef>
           <a:fillRef idx="1">
-            <a:schemeClr val="accent2"/>
+            <a:schemeClr val="accent1"/>
           </a:fillRef>
           <a:effectRef idx="0">
-            <a:schemeClr val="accent2"/>
+            <a:schemeClr val="accent1"/>
           </a:effectRef>
           <a:fontRef idx="minor">
             <a:schemeClr val="lt1"/>
@@ -5279,6 +5289,511 @@
           <a:p>
             <a:pPr algn="ctr"/>
             <a:endParaRPr lang="en-US"/>
+          </a:p>
+        </p:txBody>
+      </p:sp>
+      <p:sp>
+        <p:nvSpPr>
+          <p:cNvPr id="20" name="Rectangle 19"/>
+          <p:cNvSpPr/>
+          <p:nvPr/>
+        </p:nvSpPr>
+        <p:spPr>
+          <a:xfrm>
+            <a:off x="1377950" y="1797050"/>
+            <a:ext cx="539750" cy="495300"/>
+          </a:xfrm>
+          <a:prstGeom prst="rect">
+            <a:avLst/>
+          </a:prstGeom>
+        </p:spPr>
+        <p:style>
+          <a:lnRef idx="2">
+            <a:schemeClr val="accent1">
+              <a:shade val="50000"/>
+            </a:schemeClr>
+          </a:lnRef>
+          <a:fillRef idx="1">
+            <a:schemeClr val="accent1"/>
+          </a:fillRef>
+          <a:effectRef idx="0">
+            <a:schemeClr val="accent1"/>
+          </a:effectRef>
+          <a:fontRef idx="minor">
+            <a:schemeClr val="lt1"/>
+          </a:fontRef>
+        </p:style>
+        <p:txBody>
+          <a:bodyPr rtlCol="0" anchor="ctr"/>
+          <a:lstStyle/>
+          <a:p>
+            <a:pPr algn="ctr"/>
+            <a:r>
+              <a:rPr lang="en-US" sz="1400" smtClean="0"/>
+              <a:t>img</a:t>
+            </a:r>
+            <a:endParaRPr lang="en-US" sz="1400"/>
+          </a:p>
+        </p:txBody>
+      </p:sp>
+      <p:sp>
+        <p:nvSpPr>
+          <p:cNvPr id="21" name="TextBox 20"/>
+          <p:cNvSpPr txBox="1"/>
+          <p:nvPr/>
+        </p:nvSpPr>
+        <p:spPr>
+          <a:xfrm>
+            <a:off x="1917700" y="1844645"/>
+            <a:ext cx="1873250" cy="400110"/>
+          </a:xfrm>
+          <a:prstGeom prst="rect">
+            <a:avLst/>
+          </a:prstGeom>
+          <a:noFill/>
+        </p:spPr>
+        <p:txBody>
+          <a:bodyPr wrap="square" rtlCol="0">
+            <a:spAutoFit/>
+          </a:bodyPr>
+          <a:lstStyle/>
+          <a:p>
+            <a:r>
+              <a:rPr lang="en-US" sz="1000" smtClean="0">
+                <a:solidFill>
+                  <a:schemeClr val="bg1"/>
+                </a:solidFill>
+              </a:rPr>
+              <a:t>X5 Fired Rice</a:t>
+            </a:r>
+          </a:p>
+          <a:p>
+            <a:r>
+              <a:rPr lang="en-US" sz="1000" smtClean="0">
+                <a:solidFill>
+                  <a:schemeClr val="bg1"/>
+                </a:solidFill>
+              </a:rPr>
+              <a:t>Pork Fired Rice Awesome</a:t>
+            </a:r>
+            <a:endParaRPr lang="en-US" sz="1000">
+              <a:solidFill>
+                <a:schemeClr val="bg1"/>
+              </a:solidFill>
+            </a:endParaRPr>
+          </a:p>
+        </p:txBody>
+      </p:sp>
+      <p:sp>
+        <p:nvSpPr>
+          <p:cNvPr id="22" name="TextBox 21"/>
+          <p:cNvSpPr txBox="1"/>
+          <p:nvPr/>
+        </p:nvSpPr>
+        <p:spPr>
+          <a:xfrm>
+            <a:off x="1492250" y="1276350"/>
+            <a:ext cx="1987550" cy="369332"/>
+          </a:xfrm>
+          <a:prstGeom prst="rect">
+            <a:avLst/>
+          </a:prstGeom>
+          <a:noFill/>
+        </p:spPr>
+        <p:txBody>
+          <a:bodyPr wrap="square" rtlCol="0">
+            <a:spAutoFit/>
+          </a:bodyPr>
+          <a:lstStyle/>
+          <a:p>
+            <a:r>
+              <a:rPr lang="en-US" smtClean="0"/>
+              <a:t>Order Item</a:t>
+            </a:r>
+            <a:endParaRPr lang="en-US"/>
+          </a:p>
+        </p:txBody>
+      </p:sp>
+      <p:sp>
+        <p:nvSpPr>
+          <p:cNvPr id="23" name="Rectangle 22"/>
+          <p:cNvSpPr/>
+          <p:nvPr/>
+        </p:nvSpPr>
+        <p:spPr>
+          <a:xfrm>
+            <a:off x="1377950" y="2306082"/>
+            <a:ext cx="2362200" cy="495300"/>
+          </a:xfrm>
+          <a:prstGeom prst="rect">
+            <a:avLst/>
+          </a:prstGeom>
+        </p:spPr>
+        <p:style>
+          <a:lnRef idx="2">
+            <a:schemeClr val="accent1">
+              <a:shade val="50000"/>
+            </a:schemeClr>
+          </a:lnRef>
+          <a:fillRef idx="1">
+            <a:schemeClr val="accent1"/>
+          </a:fillRef>
+          <a:effectRef idx="0">
+            <a:schemeClr val="accent1"/>
+          </a:effectRef>
+          <a:fontRef idx="minor">
+            <a:schemeClr val="lt1"/>
+          </a:fontRef>
+        </p:style>
+        <p:txBody>
+          <a:bodyPr rtlCol="0" anchor="ctr"/>
+          <a:lstStyle/>
+          <a:p>
+            <a:pPr algn="ctr"/>
+            <a:endParaRPr lang="en-US"/>
+          </a:p>
+        </p:txBody>
+      </p:sp>
+      <p:sp>
+        <p:nvSpPr>
+          <p:cNvPr id="24" name="Rectangle 23"/>
+          <p:cNvSpPr/>
+          <p:nvPr/>
+        </p:nvSpPr>
+        <p:spPr>
+          <a:xfrm>
+            <a:off x="1377950" y="2306082"/>
+            <a:ext cx="539750" cy="495300"/>
+          </a:xfrm>
+          <a:prstGeom prst="rect">
+            <a:avLst/>
+          </a:prstGeom>
+        </p:spPr>
+        <p:style>
+          <a:lnRef idx="2">
+            <a:schemeClr val="accent1">
+              <a:shade val="50000"/>
+            </a:schemeClr>
+          </a:lnRef>
+          <a:fillRef idx="1">
+            <a:schemeClr val="accent1"/>
+          </a:fillRef>
+          <a:effectRef idx="0">
+            <a:schemeClr val="accent1"/>
+          </a:effectRef>
+          <a:fontRef idx="minor">
+            <a:schemeClr val="lt1"/>
+          </a:fontRef>
+        </p:style>
+        <p:txBody>
+          <a:bodyPr rtlCol="0" anchor="ctr"/>
+          <a:lstStyle/>
+          <a:p>
+            <a:pPr algn="ctr"/>
+            <a:r>
+              <a:rPr lang="en-US" sz="1400" smtClean="0"/>
+              <a:t>img</a:t>
+            </a:r>
+            <a:endParaRPr lang="en-US" sz="1400"/>
+          </a:p>
+        </p:txBody>
+      </p:sp>
+      <p:sp>
+        <p:nvSpPr>
+          <p:cNvPr id="25" name="TextBox 24"/>
+          <p:cNvSpPr txBox="1"/>
+          <p:nvPr/>
+        </p:nvSpPr>
+        <p:spPr>
+          <a:xfrm>
+            <a:off x="1917700" y="2353677"/>
+            <a:ext cx="1873250" cy="400110"/>
+          </a:xfrm>
+          <a:prstGeom prst="rect">
+            <a:avLst/>
+          </a:prstGeom>
+          <a:noFill/>
+        </p:spPr>
+        <p:txBody>
+          <a:bodyPr wrap="square" rtlCol="0">
+            <a:spAutoFit/>
+          </a:bodyPr>
+          <a:lstStyle/>
+          <a:p>
+            <a:r>
+              <a:rPr lang="en-US" sz="1000" smtClean="0">
+                <a:solidFill>
+                  <a:schemeClr val="bg1"/>
+                </a:solidFill>
+              </a:rPr>
+              <a:t>X5 Fired Rice</a:t>
+            </a:r>
+          </a:p>
+          <a:p>
+            <a:r>
+              <a:rPr lang="en-US" sz="1000" smtClean="0">
+                <a:solidFill>
+                  <a:schemeClr val="bg1"/>
+                </a:solidFill>
+              </a:rPr>
+              <a:t>Pork Fired Rice Awesome</a:t>
+            </a:r>
+            <a:endParaRPr lang="en-US" sz="1000">
+              <a:solidFill>
+                <a:schemeClr val="bg1"/>
+              </a:solidFill>
+            </a:endParaRPr>
+          </a:p>
+        </p:txBody>
+      </p:sp>
+      <p:sp>
+        <p:nvSpPr>
+          <p:cNvPr id="26" name="Rectangle 25"/>
+          <p:cNvSpPr/>
+          <p:nvPr/>
+        </p:nvSpPr>
+        <p:spPr>
+          <a:xfrm>
+            <a:off x="1377950" y="2822436"/>
+            <a:ext cx="2362200" cy="495300"/>
+          </a:xfrm>
+          <a:prstGeom prst="rect">
+            <a:avLst/>
+          </a:prstGeom>
+        </p:spPr>
+        <p:style>
+          <a:lnRef idx="2">
+            <a:schemeClr val="accent1">
+              <a:shade val="50000"/>
+            </a:schemeClr>
+          </a:lnRef>
+          <a:fillRef idx="1">
+            <a:schemeClr val="accent1"/>
+          </a:fillRef>
+          <a:effectRef idx="0">
+            <a:schemeClr val="accent1"/>
+          </a:effectRef>
+          <a:fontRef idx="minor">
+            <a:schemeClr val="lt1"/>
+          </a:fontRef>
+        </p:style>
+        <p:txBody>
+          <a:bodyPr rtlCol="0" anchor="ctr"/>
+          <a:lstStyle/>
+          <a:p>
+            <a:pPr algn="ctr"/>
+            <a:endParaRPr lang="en-US"/>
+          </a:p>
+        </p:txBody>
+      </p:sp>
+      <p:sp>
+        <p:nvSpPr>
+          <p:cNvPr id="27" name="Rectangle 26"/>
+          <p:cNvSpPr/>
+          <p:nvPr/>
+        </p:nvSpPr>
+        <p:spPr>
+          <a:xfrm>
+            <a:off x="1377950" y="2822436"/>
+            <a:ext cx="539750" cy="495300"/>
+          </a:xfrm>
+          <a:prstGeom prst="rect">
+            <a:avLst/>
+          </a:prstGeom>
+        </p:spPr>
+        <p:style>
+          <a:lnRef idx="2">
+            <a:schemeClr val="accent1">
+              <a:shade val="50000"/>
+            </a:schemeClr>
+          </a:lnRef>
+          <a:fillRef idx="1">
+            <a:schemeClr val="accent1"/>
+          </a:fillRef>
+          <a:effectRef idx="0">
+            <a:schemeClr val="accent1"/>
+          </a:effectRef>
+          <a:fontRef idx="minor">
+            <a:schemeClr val="lt1"/>
+          </a:fontRef>
+        </p:style>
+        <p:txBody>
+          <a:bodyPr rtlCol="0" anchor="ctr"/>
+          <a:lstStyle/>
+          <a:p>
+            <a:pPr algn="ctr"/>
+            <a:r>
+              <a:rPr lang="en-US" sz="1400" smtClean="0"/>
+              <a:t>img</a:t>
+            </a:r>
+            <a:endParaRPr lang="en-US" sz="1400"/>
+          </a:p>
+        </p:txBody>
+      </p:sp>
+      <p:sp>
+        <p:nvSpPr>
+          <p:cNvPr id="28" name="TextBox 27"/>
+          <p:cNvSpPr txBox="1"/>
+          <p:nvPr/>
+        </p:nvSpPr>
+        <p:spPr>
+          <a:xfrm>
+            <a:off x="1917700" y="2870031"/>
+            <a:ext cx="1873250" cy="400110"/>
+          </a:xfrm>
+          <a:prstGeom prst="rect">
+            <a:avLst/>
+          </a:prstGeom>
+          <a:noFill/>
+        </p:spPr>
+        <p:txBody>
+          <a:bodyPr wrap="square" rtlCol="0">
+            <a:spAutoFit/>
+          </a:bodyPr>
+          <a:lstStyle/>
+          <a:p>
+            <a:r>
+              <a:rPr lang="en-US" sz="1000" smtClean="0">
+                <a:solidFill>
+                  <a:schemeClr val="bg1"/>
+                </a:solidFill>
+              </a:rPr>
+              <a:t>X5 Fired Rice</a:t>
+            </a:r>
+          </a:p>
+          <a:p>
+            <a:r>
+              <a:rPr lang="en-US" sz="1000" smtClean="0">
+                <a:solidFill>
+                  <a:schemeClr val="bg1"/>
+                </a:solidFill>
+              </a:rPr>
+              <a:t>Pork Fired Rice Awesome</a:t>
+            </a:r>
+            <a:endParaRPr lang="en-US" sz="1000">
+              <a:solidFill>
+                <a:schemeClr val="bg1"/>
+              </a:solidFill>
+            </a:endParaRPr>
+          </a:p>
+        </p:txBody>
+      </p:sp>
+      <p:sp>
+        <p:nvSpPr>
+          <p:cNvPr id="29" name="TextBox 28"/>
+          <p:cNvSpPr txBox="1"/>
+          <p:nvPr/>
+        </p:nvSpPr>
+        <p:spPr>
+          <a:xfrm>
+            <a:off x="4025900" y="1797050"/>
+            <a:ext cx="3143250" cy="369332"/>
+          </a:xfrm>
+          <a:prstGeom prst="rect">
+            <a:avLst/>
+          </a:prstGeom>
+          <a:noFill/>
+        </p:spPr>
+        <p:txBody>
+          <a:bodyPr wrap="square" rtlCol="0">
+            <a:spAutoFit/>
+          </a:bodyPr>
+          <a:lstStyle/>
+          <a:p>
+            <a:r>
+              <a:rPr lang="en-US" smtClean="0"/>
+              <a:t>ListView</a:t>
+            </a:r>
+            <a:endParaRPr lang="en-US"/>
+          </a:p>
+        </p:txBody>
+      </p:sp>
+      <p:sp>
+        <p:nvSpPr>
+          <p:cNvPr id="30" name="TextBox 29"/>
+          <p:cNvSpPr txBox="1"/>
+          <p:nvPr/>
+        </p:nvSpPr>
+        <p:spPr>
+          <a:xfrm>
+            <a:off x="1028700" y="3317736"/>
+            <a:ext cx="1041400" cy="369332"/>
+          </a:xfrm>
+          <a:prstGeom prst="rect">
+            <a:avLst/>
+          </a:prstGeom>
+          <a:noFill/>
+        </p:spPr>
+        <p:txBody>
+          <a:bodyPr wrap="square" rtlCol="0">
+            <a:spAutoFit/>
+          </a:bodyPr>
+          <a:lstStyle/>
+          <a:p>
+            <a:r>
+              <a:rPr lang="en-US" smtClean="0"/>
+              <a:t>Row#1</a:t>
+            </a:r>
+            <a:endParaRPr lang="en-US"/>
+          </a:p>
+        </p:txBody>
+      </p:sp>
+      <p:sp>
+        <p:nvSpPr>
+          <p:cNvPr id="34" name="TextBox 33"/>
+          <p:cNvSpPr txBox="1"/>
+          <p:nvPr/>
+        </p:nvSpPr>
+        <p:spPr>
+          <a:xfrm>
+            <a:off x="2095500" y="3338790"/>
+            <a:ext cx="2768600" cy="1200329"/>
+          </a:xfrm>
+          <a:prstGeom prst="rect">
+            <a:avLst/>
+          </a:prstGeom>
+          <a:noFill/>
+        </p:spPr>
+        <p:txBody>
+          <a:bodyPr wrap="square" rtlCol="0">
+            <a:spAutoFit/>
+          </a:bodyPr>
+          <a:lstStyle/>
+          <a:p>
+            <a:r>
+              <a:rPr lang="en-US" smtClean="0"/>
+              <a:t>Row#2</a:t>
+            </a:r>
+          </a:p>
+          <a:p>
+            <a:r>
+              <a:rPr lang="en-US"/>
+              <a:t>	</a:t>
+            </a:r>
+            <a:r>
+              <a:rPr lang="en-US" smtClean="0"/>
+              <a:t>Col#2.1</a:t>
+            </a:r>
+          </a:p>
+          <a:p>
+            <a:r>
+              <a:rPr lang="en-US"/>
+              <a:t>	</a:t>
+            </a:r>
+            <a:r>
+              <a:rPr lang="en-US" smtClean="0"/>
+              <a:t>	Row#1,Row2</a:t>
+            </a:r>
+          </a:p>
+          <a:p>
+            <a:r>
+              <a:rPr lang="en-US"/>
+              <a:t>	</a:t>
+            </a:r>
+            <a:r>
+              <a:rPr lang="en-US" smtClean="0"/>
+              <a:t>Col#2.2</a:t>
+            </a:r>
           </a:p>
         </p:txBody>
       </p:sp>
@@ -5344,273 +5859,15 @@
           <a:p>
             <a:r>
               <a:rPr lang="en-US" smtClean="0"/>
-              <a:t>Coding Concept - Logic</a:t>
+              <a:t>Final UI</a:t>
             </a:r>
             <a:endParaRPr lang="en-US"/>
           </a:p>
         </p:txBody>
       </p:sp>
-      <p:sp>
-        <p:nvSpPr>
-          <p:cNvPr id="4" name="Slide Number Placeholder 3"/>
-          <p:cNvSpPr>
-            <a:spLocks noGrp="1"/>
-          </p:cNvSpPr>
-          <p:nvPr>
-            <p:ph type="sldNum" sz="quarter" idx="4294967295"/>
-          </p:nvPr>
-        </p:nvSpPr>
-        <p:spPr>
-          <a:xfrm>
-            <a:off x="11277600" y="6537325"/>
-            <a:ext cx="914400" cy="320675"/>
-          </a:xfrm>
-        </p:spPr>
-        <p:txBody>
-          <a:bodyPr/>
-          <a:lstStyle/>
-          <a:p>
-            <a:fld id="{6D22F896-40B5-4ADD-8801-0D06FADFA095}" type="slidenum">
-              <a:rPr lang="en-US" smtClean="0"/>
-              <a:t>6</a:t>
-            </a:fld>
-            <a:endParaRPr lang="en-US" dirty="0"/>
-          </a:p>
-        </p:txBody>
-      </p:sp>
-      <p:sp>
-        <p:nvSpPr>
-          <p:cNvPr id="6" name="Rectangle 5"/>
-          <p:cNvSpPr/>
-          <p:nvPr/>
-        </p:nvSpPr>
-        <p:spPr>
-          <a:xfrm>
-            <a:off x="3443066" y="1411282"/>
-            <a:ext cx="3307080" cy="1226820"/>
-          </a:xfrm>
-          <a:prstGeom prst="rect">
-            <a:avLst/>
-          </a:prstGeom>
-        </p:spPr>
-        <p:style>
-          <a:lnRef idx="2">
-            <a:schemeClr val="accent1">
-              <a:shade val="50000"/>
-            </a:schemeClr>
-          </a:lnRef>
-          <a:fillRef idx="1">
-            <a:schemeClr val="accent1"/>
-          </a:fillRef>
-          <a:effectRef idx="0">
-            <a:schemeClr val="accent1"/>
-          </a:effectRef>
-          <a:fontRef idx="minor">
-            <a:schemeClr val="lt1"/>
-          </a:fontRef>
-        </p:style>
-        <p:txBody>
-          <a:bodyPr rtlCol="0" anchor="ctr"/>
-          <a:lstStyle/>
-          <a:p>
-            <a:pPr algn="ctr"/>
-            <a:r>
-              <a:rPr lang="en-US" smtClean="0"/>
-              <a:t>Save with OrderNo </a:t>
-            </a:r>
-          </a:p>
-          <a:p>
-            <a:pPr algn="ctr"/>
-            <a:r>
-              <a:rPr lang="en-US" smtClean="0"/>
-              <a:t>e.g. ORD005</a:t>
-            </a:r>
-            <a:endParaRPr lang="en-US"/>
-          </a:p>
-        </p:txBody>
-      </p:sp>
-      <p:sp>
-        <p:nvSpPr>
-          <p:cNvPr id="14" name="Rectangle 13"/>
-          <p:cNvSpPr/>
-          <p:nvPr/>
-        </p:nvSpPr>
-        <p:spPr>
-          <a:xfrm>
-            <a:off x="3443066" y="3141022"/>
-            <a:ext cx="3307080" cy="1226820"/>
-          </a:xfrm>
-          <a:prstGeom prst="rect">
-            <a:avLst/>
-          </a:prstGeom>
-        </p:spPr>
-        <p:style>
-          <a:lnRef idx="2">
-            <a:schemeClr val="accent1">
-              <a:shade val="50000"/>
-            </a:schemeClr>
-          </a:lnRef>
-          <a:fillRef idx="1">
-            <a:schemeClr val="accent1"/>
-          </a:fillRef>
-          <a:effectRef idx="0">
-            <a:schemeClr val="accent1"/>
-          </a:effectRef>
-          <a:fontRef idx="minor">
-            <a:schemeClr val="lt1"/>
-          </a:fontRef>
-        </p:style>
-        <p:txBody>
-          <a:bodyPr rtlCol="0" anchor="ctr"/>
-          <a:lstStyle/>
-          <a:p>
-            <a:pPr algn="ctr"/>
-            <a:r>
-              <a:rPr lang="en-US" smtClean="0"/>
-              <a:t>StreamBuilder</a:t>
-            </a:r>
-          </a:p>
-          <a:p>
-            <a:pPr algn="ctr"/>
-            <a:r>
-              <a:rPr lang="en-US" smtClean="0"/>
-              <a:t>Get count from DB </a:t>
-            </a:r>
-          </a:p>
-          <a:p>
-            <a:pPr algn="ctr"/>
-            <a:r>
-              <a:rPr lang="en-US" smtClean="0"/>
-              <a:t>Where orderNo = ‘ORD005’</a:t>
-            </a:r>
-          </a:p>
-        </p:txBody>
-      </p:sp>
-      <p:sp>
-        <p:nvSpPr>
-          <p:cNvPr id="15" name="Rectangle 14"/>
-          <p:cNvSpPr/>
-          <p:nvPr/>
-        </p:nvSpPr>
-        <p:spPr>
-          <a:xfrm>
-            <a:off x="3443066" y="4870762"/>
-            <a:ext cx="3307080" cy="1226820"/>
-          </a:xfrm>
-          <a:prstGeom prst="rect">
-            <a:avLst/>
-          </a:prstGeom>
-        </p:spPr>
-        <p:style>
-          <a:lnRef idx="2">
-            <a:schemeClr val="accent1">
-              <a:shade val="50000"/>
-            </a:schemeClr>
-          </a:lnRef>
-          <a:fillRef idx="1">
-            <a:schemeClr val="accent1"/>
-          </a:fillRef>
-          <a:effectRef idx="0">
-            <a:schemeClr val="accent1"/>
-          </a:effectRef>
-          <a:fontRef idx="minor">
-            <a:schemeClr val="lt1"/>
-          </a:fontRef>
-        </p:style>
-        <p:txBody>
-          <a:bodyPr rtlCol="0" anchor="ctr"/>
-          <a:lstStyle/>
-          <a:p>
-            <a:pPr algn="ctr"/>
-            <a:r>
-              <a:rPr lang="en-US" smtClean="0"/>
-              <a:t>Show Count in Text</a:t>
-            </a:r>
-          </a:p>
-          <a:p>
-            <a:pPr algn="ctr"/>
-            <a:r>
-              <a:rPr lang="en-US" smtClean="0"/>
-              <a:t>e.g. (4)</a:t>
-            </a:r>
-            <a:endParaRPr lang="en-US"/>
-          </a:p>
-        </p:txBody>
-      </p:sp>
-      <p:cxnSp>
-        <p:nvCxnSpPr>
-          <p:cNvPr id="17" name="Straight Arrow Connector 16"/>
-          <p:cNvCxnSpPr>
-            <a:stCxn id="6" idx="2"/>
-            <a:endCxn id="14" idx="0"/>
-          </p:cNvCxnSpPr>
-          <p:nvPr/>
-        </p:nvCxnSpPr>
-        <p:spPr>
-          <a:xfrm>
-            <a:off x="5096606" y="2638102"/>
-            <a:ext cx="0" cy="502920"/>
-          </a:xfrm>
-          <a:prstGeom prst="straightConnector1">
-            <a:avLst/>
-          </a:prstGeom>
-          <a:ln>
-            <a:tailEnd type="triangle"/>
-          </a:ln>
-        </p:spPr>
-        <p:style>
-          <a:lnRef idx="1">
-            <a:schemeClr val="accent1"/>
-          </a:lnRef>
-          <a:fillRef idx="0">
-            <a:schemeClr val="accent1"/>
-          </a:fillRef>
-          <a:effectRef idx="0">
-            <a:schemeClr val="accent1"/>
-          </a:effectRef>
-          <a:fontRef idx="minor">
-            <a:schemeClr val="tx1"/>
-          </a:fontRef>
-        </p:style>
-      </p:cxnSp>
-      <p:cxnSp>
-        <p:nvCxnSpPr>
-          <p:cNvPr id="18" name="Straight Arrow Connector 17"/>
-          <p:cNvCxnSpPr>
-            <a:endCxn id="15" idx="0"/>
-          </p:cNvCxnSpPr>
-          <p:nvPr/>
-        </p:nvCxnSpPr>
-        <p:spPr>
-          <a:xfrm>
-            <a:off x="5096606" y="4245922"/>
-            <a:ext cx="0" cy="624840"/>
-          </a:xfrm>
-          <a:prstGeom prst="straightConnector1">
-            <a:avLst/>
-          </a:prstGeom>
-          <a:ln>
-            <a:tailEnd type="triangle"/>
-          </a:ln>
-        </p:spPr>
-        <p:style>
-          <a:lnRef idx="1">
-            <a:schemeClr val="accent1"/>
-          </a:lnRef>
-          <a:fillRef idx="0">
-            <a:schemeClr val="accent1"/>
-          </a:fillRef>
-          <a:effectRef idx="0">
-            <a:schemeClr val="accent1"/>
-          </a:effectRef>
-          <a:fontRef idx="minor">
-            <a:schemeClr val="tx1"/>
-          </a:fontRef>
-        </p:style>
-      </p:cxnSp>
       <p:pic>
         <p:nvPicPr>
-          <p:cNvPr id="27" name="Picture 26"/>
+          <p:cNvPr id="3" name="Picture 2"/>
           <p:cNvPicPr>
             <a:picLocks noChangeAspect="1"/>
           </p:cNvPicPr>
@@ -5624,368 +5881,18 @@
         </p:blipFill>
         <p:spPr>
           <a:xfrm>
-            <a:off x="424950" y="985456"/>
-            <a:ext cx="2575113" cy="5498410"/>
-          </a:xfrm>
-          <a:prstGeom prst="roundRect">
-            <a:avLst>
-              <a:gd name="adj" fmla="val 8594"/>
-            </a:avLst>
-          </a:prstGeom>
-          <a:solidFill>
-            <a:srgbClr val="FFFFFF">
-              <a:shade val="85000"/>
-            </a:srgbClr>
-          </a:solidFill>
-          <a:ln>
-            <a:noFill/>
-          </a:ln>
-          <a:effectLst>
-            <a:reflection blurRad="12700" stA="38000" endPos="28000" dist="5000" dir="5400000" sy="-100000" algn="bl" rotWithShape="0"/>
-          </a:effectLst>
-        </p:spPr>
-      </p:pic>
-      <p:sp>
-        <p:nvSpPr>
-          <p:cNvPr id="28" name="Rounded Rectangle 27"/>
-          <p:cNvSpPr/>
-          <p:nvPr/>
-        </p:nvSpPr>
-        <p:spPr>
-          <a:xfrm>
-            <a:off x="2114686" y="1715915"/>
-            <a:ext cx="407505" cy="262709"/>
-          </a:xfrm>
-          <a:prstGeom prst="roundRect">
-            <a:avLst/>
-          </a:prstGeom>
-          <a:solidFill>
-            <a:srgbClr val="FF5722"/>
-          </a:solidFill>
-          <a:ln w="12700">
-            <a:solidFill>
-              <a:schemeClr val="bg1"/>
-            </a:solidFill>
-            <a:prstDash val="sysDash"/>
-          </a:ln>
-        </p:spPr>
-        <p:style>
-          <a:lnRef idx="2">
-            <a:schemeClr val="accent1">
-              <a:shade val="50000"/>
-            </a:schemeClr>
-          </a:lnRef>
-          <a:fillRef idx="1">
-            <a:schemeClr val="accent1"/>
-          </a:fillRef>
-          <a:effectRef idx="0">
-            <a:schemeClr val="accent1"/>
-          </a:effectRef>
-          <a:fontRef idx="minor">
-            <a:schemeClr val="lt1"/>
-          </a:fontRef>
-        </p:style>
-        <p:txBody>
-          <a:bodyPr lIns="0" tIns="0" rIns="0" bIns="18288" rtlCol="0" anchor="ctr"/>
-          <a:lstStyle/>
-          <a:p>
-            <a:pPr algn="ctr"/>
-            <a:r>
-              <a:rPr lang="en-US" sz="1400" smtClean="0"/>
-              <a:t>(3)</a:t>
-            </a:r>
-            <a:endParaRPr lang="en-US" sz="1400"/>
-          </a:p>
-        </p:txBody>
-      </p:sp>
-    </p:spTree>
-    <p:extLst>
-      <p:ext uri="{BB962C8B-B14F-4D97-AF65-F5344CB8AC3E}">
-        <p14:creationId xmlns:p14="http://schemas.microsoft.com/office/powerpoint/2010/main" val="1090779894"/>
-      </p:ext>
-    </p:extLst>
-  </p:cSld>
-  <p:clrMapOvr>
-    <a:masterClrMapping/>
-  </p:clrMapOvr>
-  <p:timing>
-    <p:tnLst>
-      <p:par>
-        <p:cTn id="1" dur="indefinite" restart="never" nodeType="tmRoot"/>
-      </p:par>
-    </p:tnLst>
-  </p:timing>
-</p:sld>
-</file>
-
-<file path=ppt/slides/slide7.xml><?xml version="1.0" encoding="utf-8"?>
-<p:sld xmlns:a="http://schemas.openxmlformats.org/drawingml/2006/main" xmlns:r="http://schemas.openxmlformats.org/officeDocument/2006/relationships" xmlns:p="http://schemas.openxmlformats.org/presentationml/2006/main">
-  <p:cSld>
-    <p:spTree>
-      <p:nvGrpSpPr>
-        <p:cNvPr id="1" name=""/>
-        <p:cNvGrpSpPr/>
-        <p:nvPr/>
-      </p:nvGrpSpPr>
-      <p:grpSpPr>
-        <a:xfrm>
-          <a:off x="0" y="0"/>
-          <a:ext cx="0" cy="0"/>
-          <a:chOff x="0" y="0"/>
-          <a:chExt cx="0" cy="0"/>
-        </a:xfrm>
-      </p:grpSpPr>
-      <p:sp>
-        <p:nvSpPr>
-          <p:cNvPr id="2" name="Title 1"/>
-          <p:cNvSpPr>
-            <a:spLocks noGrp="1"/>
-          </p:cNvSpPr>
-          <p:nvPr>
-            <p:ph type="title"/>
-          </p:nvPr>
-        </p:nvSpPr>
-        <p:spPr/>
-        <p:txBody>
-          <a:bodyPr/>
-          <a:lstStyle/>
-          <a:p>
-            <a:r>
-              <a:rPr lang="en-US" smtClean="0"/>
-              <a:t>Code</a:t>
-            </a:r>
-            <a:endParaRPr lang="en-US"/>
-          </a:p>
-        </p:txBody>
-      </p:sp>
-      <p:pic>
-        <p:nvPicPr>
-          <p:cNvPr id="5" name="Picture 4"/>
-          <p:cNvPicPr>
-            <a:picLocks noChangeAspect="1"/>
-          </p:cNvPicPr>
-          <p:nvPr/>
-        </p:nvPicPr>
-        <p:blipFill>
-          <a:blip r:embed="rId2"/>
-          <a:stretch>
-            <a:fillRect/>
-          </a:stretch>
-        </p:blipFill>
-        <p:spPr>
-          <a:xfrm>
-            <a:off x="609600" y="949808"/>
-            <a:ext cx="5295900" cy="3133887"/>
+            <a:off x="609600" y="1047749"/>
+            <a:ext cx="2647950" cy="5593423"/>
           </a:xfrm>
           <a:prstGeom prst="rect">
             <a:avLst/>
           </a:prstGeom>
         </p:spPr>
       </p:pic>
-      <p:pic>
-        <p:nvPicPr>
-          <p:cNvPr id="6" name="Picture 5"/>
-          <p:cNvPicPr>
-            <a:picLocks noChangeAspect="1"/>
-          </p:cNvPicPr>
-          <p:nvPr/>
-        </p:nvPicPr>
-        <p:blipFill>
-          <a:blip r:embed="rId3"/>
-          <a:stretch>
-            <a:fillRect/>
-          </a:stretch>
-        </p:blipFill>
-        <p:spPr>
-          <a:xfrm>
-            <a:off x="609600" y="4143960"/>
-            <a:ext cx="5295900" cy="2675823"/>
-          </a:xfrm>
-          <a:prstGeom prst="rect">
-            <a:avLst/>
-          </a:prstGeom>
-        </p:spPr>
-      </p:pic>
-      <p:sp>
-        <p:nvSpPr>
-          <p:cNvPr id="7" name="TextBox 6"/>
-          <p:cNvSpPr txBox="1"/>
-          <p:nvPr/>
-        </p:nvSpPr>
-        <p:spPr>
-          <a:xfrm>
-            <a:off x="6184900" y="1670050"/>
-            <a:ext cx="3841750" cy="369332"/>
-          </a:xfrm>
-          <a:prstGeom prst="rect">
-            <a:avLst/>
-          </a:prstGeom>
-          <a:noFill/>
-        </p:spPr>
-        <p:txBody>
-          <a:bodyPr wrap="square" rtlCol="0">
-            <a:spAutoFit/>
-          </a:bodyPr>
-          <a:lstStyle/>
-          <a:p>
-            <a:pPr marL="285750" indent="-285750">
-              <a:buFont typeface="Arial" panose="020B0604020202020204" pitchFamily="34" charset="0"/>
-              <a:buChar char="•"/>
-            </a:pPr>
-            <a:r>
-              <a:rPr lang="en-US" smtClean="0"/>
-              <a:t>Save Order Item to Database</a:t>
-            </a:r>
-            <a:endParaRPr lang="en-US"/>
-          </a:p>
-        </p:txBody>
-      </p:sp>
-      <p:sp>
-        <p:nvSpPr>
-          <p:cNvPr id="27" name="TextBox 26"/>
-          <p:cNvSpPr txBox="1"/>
-          <p:nvPr/>
-        </p:nvSpPr>
-        <p:spPr>
-          <a:xfrm>
-            <a:off x="6184900" y="4381019"/>
-            <a:ext cx="3841750" cy="646331"/>
-          </a:xfrm>
-          <a:prstGeom prst="rect">
-            <a:avLst/>
-          </a:prstGeom>
-          <a:noFill/>
-        </p:spPr>
-        <p:txBody>
-          <a:bodyPr wrap="square" rtlCol="0">
-            <a:spAutoFit/>
-          </a:bodyPr>
-          <a:lstStyle/>
-          <a:p>
-            <a:pPr marL="285750" indent="-285750">
-              <a:buFont typeface="Arial" panose="020B0604020202020204" pitchFamily="34" charset="0"/>
-              <a:buChar char="•"/>
-            </a:pPr>
-            <a:r>
-              <a:rPr lang="en-US" smtClean="0"/>
-              <a:t>Get Order Count</a:t>
-            </a:r>
-          </a:p>
-          <a:p>
-            <a:pPr marL="285750" indent="-285750">
-              <a:buFont typeface="Arial" panose="020B0604020202020204" pitchFamily="34" charset="0"/>
-              <a:buChar char="•"/>
-            </a:pPr>
-            <a:r>
-              <a:rPr lang="en-US" smtClean="0"/>
-              <a:t>Show in Text</a:t>
-            </a:r>
-            <a:endParaRPr lang="en-US"/>
-          </a:p>
-        </p:txBody>
-      </p:sp>
-      <p:sp>
-        <p:nvSpPr>
-          <p:cNvPr id="9" name="Rounded Rectangle 8"/>
-          <p:cNvSpPr/>
-          <p:nvPr/>
-        </p:nvSpPr>
-        <p:spPr>
-          <a:xfrm>
-            <a:off x="828040" y="1214120"/>
-            <a:ext cx="4749800" cy="1178560"/>
-          </a:xfrm>
-          <a:prstGeom prst="roundRect">
-            <a:avLst>
-              <a:gd name="adj" fmla="val 8477"/>
-            </a:avLst>
-          </a:prstGeom>
-          <a:noFill/>
-          <a:ln>
-            <a:solidFill>
-              <a:srgbClr val="FF0000"/>
-            </a:solidFill>
-            <a:prstDash val="sysDash"/>
-          </a:ln>
-        </p:spPr>
-        <p:style>
-          <a:lnRef idx="2">
-            <a:schemeClr val="accent1">
-              <a:shade val="50000"/>
-            </a:schemeClr>
-          </a:lnRef>
-          <a:fillRef idx="1">
-            <a:schemeClr val="accent1"/>
-          </a:fillRef>
-          <a:effectRef idx="0">
-            <a:schemeClr val="accent1"/>
-          </a:effectRef>
-          <a:fontRef idx="minor">
-            <a:schemeClr val="lt1"/>
-          </a:fontRef>
-        </p:style>
-        <p:txBody>
-          <a:bodyPr rtlCol="0" anchor="ctr"/>
-          <a:lstStyle/>
-          <a:p>
-            <a:pPr algn="ctr"/>
-            <a:endParaRPr lang="en-US"/>
-          </a:p>
-        </p:txBody>
-      </p:sp>
-      <p:sp>
-        <p:nvSpPr>
-          <p:cNvPr id="28" name="Rounded Rectangle 27"/>
-          <p:cNvSpPr/>
-          <p:nvPr/>
-        </p:nvSpPr>
-        <p:spPr>
-          <a:xfrm>
-            <a:off x="828040" y="4303310"/>
-            <a:ext cx="4749800" cy="1193249"/>
-          </a:xfrm>
-          <a:prstGeom prst="roundRect">
-            <a:avLst>
-              <a:gd name="adj" fmla="val 8477"/>
-            </a:avLst>
-          </a:prstGeom>
-          <a:noFill/>
-          <a:ln>
-            <a:solidFill>
-              <a:srgbClr val="FF0000"/>
-            </a:solidFill>
-            <a:prstDash val="sysDash"/>
-          </a:ln>
-        </p:spPr>
-        <p:style>
-          <a:lnRef idx="2">
-            <a:schemeClr val="accent1">
-              <a:shade val="50000"/>
-            </a:schemeClr>
-          </a:lnRef>
-          <a:fillRef idx="1">
-            <a:schemeClr val="accent1"/>
-          </a:fillRef>
-          <a:effectRef idx="0">
-            <a:schemeClr val="accent1"/>
-          </a:effectRef>
-          <a:fontRef idx="minor">
-            <a:schemeClr val="lt1"/>
-          </a:fontRef>
-        </p:style>
-        <p:txBody>
-          <a:bodyPr rtlCol="0" anchor="ctr"/>
-          <a:lstStyle/>
-          <a:p>
-            <a:pPr algn="ctr"/>
-            <a:endParaRPr lang="en-US"/>
-          </a:p>
-        </p:txBody>
-      </p:sp>
     </p:spTree>
     <p:extLst>
       <p:ext uri="{BB962C8B-B14F-4D97-AF65-F5344CB8AC3E}">
-        <p14:creationId xmlns:p14="http://schemas.microsoft.com/office/powerpoint/2010/main" val="76815920"/>
+        <p14:creationId xmlns:p14="http://schemas.microsoft.com/office/powerpoint/2010/main" val="3746488480"/>
       </p:ext>
     </p:extLst>
   </p:cSld>
@@ -6000,179 +5907,6 @@
       <p:transition spd="slow"/>
     </mc:Fallback>
   </mc:AlternateContent>
-  <p:timing>
-    <p:tnLst>
-      <p:par>
-        <p:cTn id="1" dur="indefinite" restart="never" nodeType="tmRoot"/>
-      </p:par>
-    </p:tnLst>
-  </p:timing>
-</p:sld>
-</file>
-
-<file path=ppt/slides/slide8.xml><?xml version="1.0" encoding="utf-8"?>
-<p:sld xmlns:a="http://schemas.openxmlformats.org/drawingml/2006/main" xmlns:r="http://schemas.openxmlformats.org/officeDocument/2006/relationships" xmlns:p="http://schemas.openxmlformats.org/presentationml/2006/main">
-  <p:cSld>
-    <p:spTree>
-      <p:nvGrpSpPr>
-        <p:cNvPr id="1" name=""/>
-        <p:cNvGrpSpPr/>
-        <p:nvPr/>
-      </p:nvGrpSpPr>
-      <p:grpSpPr>
-        <a:xfrm>
-          <a:off x="0" y="0"/>
-          <a:ext cx="0" cy="0"/>
-          <a:chOff x="0" y="0"/>
-          <a:chExt cx="0" cy="0"/>
-        </a:xfrm>
-      </p:grpSpPr>
-      <p:sp>
-        <p:nvSpPr>
-          <p:cNvPr id="2" name="Title 1"/>
-          <p:cNvSpPr>
-            <a:spLocks noGrp="1"/>
-          </p:cNvSpPr>
-          <p:nvPr>
-            <p:ph type="title"/>
-          </p:nvPr>
-        </p:nvSpPr>
-        <p:spPr/>
-        <p:txBody>
-          <a:bodyPr/>
-          <a:lstStyle/>
-          <a:p>
-            <a:r>
-              <a:rPr lang="en-US" smtClean="0"/>
-              <a:t>Final UI</a:t>
-            </a:r>
-            <a:endParaRPr lang="en-US"/>
-          </a:p>
-        </p:txBody>
-      </p:sp>
-      <p:pic>
-        <p:nvPicPr>
-          <p:cNvPr id="4" name="Picture 3"/>
-          <p:cNvPicPr>
-            <a:picLocks noChangeAspect="1"/>
-          </p:cNvPicPr>
-          <p:nvPr/>
-        </p:nvPicPr>
-        <p:blipFill>
-          <a:blip r:embed="rId2"/>
-          <a:stretch>
-            <a:fillRect/>
-          </a:stretch>
-        </p:blipFill>
-        <p:spPr>
-          <a:xfrm>
-            <a:off x="525593" y="1030672"/>
-            <a:ext cx="2568897" cy="5351276"/>
-          </a:xfrm>
-          <a:prstGeom prst="roundRect">
-            <a:avLst>
-              <a:gd name="adj" fmla="val 8594"/>
-            </a:avLst>
-          </a:prstGeom>
-          <a:solidFill>
-            <a:srgbClr val="FFFFFF">
-              <a:shade val="85000"/>
-            </a:srgbClr>
-          </a:solidFill>
-          <a:ln>
-            <a:noFill/>
-          </a:ln>
-          <a:effectLst>
-            <a:reflection blurRad="12700" stA="38000" endPos="28000" dist="5000" dir="5400000" sy="-100000" algn="bl" rotWithShape="0"/>
-          </a:effectLst>
-        </p:spPr>
-      </p:pic>
-      <p:pic>
-        <p:nvPicPr>
-          <p:cNvPr id="3" name="Picture 2"/>
-          <p:cNvPicPr>
-            <a:picLocks noChangeAspect="1"/>
-          </p:cNvPicPr>
-          <p:nvPr/>
-        </p:nvPicPr>
-        <p:blipFill>
-          <a:blip r:embed="rId3"/>
-          <a:stretch>
-            <a:fillRect/>
-          </a:stretch>
-        </p:blipFill>
-        <p:spPr>
-          <a:xfrm>
-            <a:off x="3335919" y="1077913"/>
-            <a:ext cx="2543701" cy="5304036"/>
-          </a:xfrm>
-          <a:prstGeom prst="roundRect">
-            <a:avLst>
-              <a:gd name="adj" fmla="val 8594"/>
-            </a:avLst>
-          </a:prstGeom>
-          <a:solidFill>
-            <a:srgbClr val="FFFFFF">
-              <a:shade val="85000"/>
-            </a:srgbClr>
-          </a:solidFill>
-          <a:ln>
-            <a:noFill/>
-          </a:ln>
-          <a:effectLst>
-            <a:reflection blurRad="12700" stA="38000" endPos="28000" dist="5000" dir="5400000" sy="-100000" algn="bl" rotWithShape="0"/>
-          </a:effectLst>
-        </p:spPr>
-      </p:pic>
-      <p:pic>
-        <p:nvPicPr>
-          <p:cNvPr id="6" name="Picture 5"/>
-          <p:cNvPicPr>
-            <a:picLocks noChangeAspect="1"/>
-          </p:cNvPicPr>
-          <p:nvPr/>
-        </p:nvPicPr>
-        <p:blipFill>
-          <a:blip r:embed="rId4"/>
-          <a:stretch>
-            <a:fillRect/>
-          </a:stretch>
-        </p:blipFill>
-        <p:spPr>
-          <a:xfrm>
-            <a:off x="6200216" y="1077913"/>
-            <a:ext cx="5707303" cy="4983162"/>
-          </a:xfrm>
-          <a:prstGeom prst="rect">
-            <a:avLst/>
-          </a:prstGeom>
-        </p:spPr>
-      </p:pic>
-    </p:spTree>
-    <p:extLst>
-      <p:ext uri="{BB962C8B-B14F-4D97-AF65-F5344CB8AC3E}">
-        <p14:creationId xmlns:p14="http://schemas.microsoft.com/office/powerpoint/2010/main" val="3420420780"/>
-      </p:ext>
-    </p:extLst>
-  </p:cSld>
-  <p:clrMapOvr>
-    <a:masterClrMapping/>
-  </p:clrMapOvr>
-  <mc:AlternateContent xmlns:mc="http://schemas.openxmlformats.org/markup-compatibility/2006" xmlns:p14="http://schemas.microsoft.com/office/powerpoint/2010/main">
-    <mc:Choice Requires="p14">
-      <p:transition spd="slow" p14:dur="2000"/>
-    </mc:Choice>
-    <mc:Fallback xmlns="">
-      <p:transition spd="slow"/>
-    </mc:Fallback>
-  </mc:AlternateContent>
-  <p:timing>
-    <p:tnLst>
-      <p:par>
-        <p:cTn id="1" dur="indefinite" restart="never" nodeType="tmRoot"/>
-      </p:par>
-    </p:tnLst>
-  </p:timing>
 </p:sld>
 </file>
 
